--- a/RPM.pptx
+++ b/RPM.pptx
@@ -259,7 +259,7 @@
           <a:p>
             <a:fld id="{B7B1F0FD-4B14-4C67-82BD-C63201CC0C6C}" type="datetimeFigureOut">
               <a:rPr lang="es-CO" smtClean="0"/>
-              <a:t>7/04/2024</a:t>
+              <a:t>20/04/2024</a:t>
             </a:fld>
             <a:endParaRPr lang="es-CO"/>
           </a:p>
@@ -470,7 +470,7 @@
           <a:p>
             <a:fld id="{B7B1F0FD-4B14-4C67-82BD-C63201CC0C6C}" type="datetimeFigureOut">
               <a:rPr lang="es-CO" smtClean="0"/>
-              <a:t>7/04/2024</a:t>
+              <a:t>20/04/2024</a:t>
             </a:fld>
             <a:endParaRPr lang="es-CO"/>
           </a:p>
@@ -685,7 +685,7 @@
           <a:p>
             <a:fld id="{B7B1F0FD-4B14-4C67-82BD-C63201CC0C6C}" type="datetimeFigureOut">
               <a:rPr lang="es-CO" smtClean="0"/>
-              <a:t>7/04/2024</a:t>
+              <a:t>20/04/2024</a:t>
             </a:fld>
             <a:endParaRPr lang="es-CO"/>
           </a:p>
@@ -886,7 +886,7 @@
           <a:p>
             <a:fld id="{B7B1F0FD-4B14-4C67-82BD-C63201CC0C6C}" type="datetimeFigureOut">
               <a:rPr lang="es-CO" smtClean="0"/>
-              <a:t>7/04/2024</a:t>
+              <a:t>20/04/2024</a:t>
             </a:fld>
             <a:endParaRPr lang="es-CO"/>
           </a:p>
@@ -1165,7 +1165,7 @@
           <a:p>
             <a:fld id="{B7B1F0FD-4B14-4C67-82BD-C63201CC0C6C}" type="datetimeFigureOut">
               <a:rPr lang="es-CO" smtClean="0"/>
-              <a:t>7/04/2024</a:t>
+              <a:t>20/04/2024</a:t>
             </a:fld>
             <a:endParaRPr lang="es-CO"/>
           </a:p>
@@ -1433,7 +1433,7 @@
           <a:p>
             <a:fld id="{B7B1F0FD-4B14-4C67-82BD-C63201CC0C6C}" type="datetimeFigureOut">
               <a:rPr lang="es-CO" smtClean="0"/>
-              <a:t>7/04/2024</a:t>
+              <a:t>20/04/2024</a:t>
             </a:fld>
             <a:endParaRPr lang="es-CO"/>
           </a:p>
@@ -1849,7 +1849,7 @@
           <a:p>
             <a:fld id="{B7B1F0FD-4B14-4C67-82BD-C63201CC0C6C}" type="datetimeFigureOut">
               <a:rPr lang="es-CO" smtClean="0"/>
-              <a:t>7/04/2024</a:t>
+              <a:t>20/04/2024</a:t>
             </a:fld>
             <a:endParaRPr lang="es-CO"/>
           </a:p>
@@ -1998,7 +1998,7 @@
           <a:p>
             <a:fld id="{B7B1F0FD-4B14-4C67-82BD-C63201CC0C6C}" type="datetimeFigureOut">
               <a:rPr lang="es-CO" smtClean="0"/>
-              <a:t>7/04/2024</a:t>
+              <a:t>20/04/2024</a:t>
             </a:fld>
             <a:endParaRPr lang="es-CO"/>
           </a:p>
@@ -2124,7 +2124,7 @@
           <a:p>
             <a:fld id="{B7B1F0FD-4B14-4C67-82BD-C63201CC0C6C}" type="datetimeFigureOut">
               <a:rPr lang="es-CO" smtClean="0"/>
-              <a:t>7/04/2024</a:t>
+              <a:t>20/04/2024</a:t>
             </a:fld>
             <a:endParaRPr lang="es-CO"/>
           </a:p>
@@ -2375,7 +2375,7 @@
           <a:p>
             <a:fld id="{B7B1F0FD-4B14-4C67-82BD-C63201CC0C6C}" type="datetimeFigureOut">
               <a:rPr lang="es-CO" smtClean="0"/>
-              <a:t>7/04/2024</a:t>
+              <a:t>20/04/2024</a:t>
             </a:fld>
             <a:endParaRPr lang="es-CO"/>
           </a:p>
@@ -2820,7 +2820,7 @@
           <a:p>
             <a:fld id="{B7B1F0FD-4B14-4C67-82BD-C63201CC0C6C}" type="datetimeFigureOut">
               <a:rPr lang="es-CO" smtClean="0"/>
-              <a:t>7/04/2024</a:t>
+              <a:t>20/04/2024</a:t>
             </a:fld>
             <a:endParaRPr lang="es-CO"/>
           </a:p>
@@ -3147,7 +3147,7 @@
           <a:p>
             <a:fld id="{B7B1F0FD-4B14-4C67-82BD-C63201CC0C6C}" type="datetimeFigureOut">
               <a:rPr lang="es-CO" smtClean="0"/>
-              <a:t>7/04/2024</a:t>
+              <a:t>20/04/2024</a:t>
             </a:fld>
             <a:endParaRPr lang="es-CO"/>
           </a:p>
@@ -3699,12 +3699,86 @@
           <a:chExt cx="0" cy="0"/>
         </a:xfrm>
       </p:grpSpPr>
+      <p:sp>
+        <p:nvSpPr>
+          <p:cNvPr id="9" name="CuadroTexto 8">
+            <a:extLst>
+              <a:ext uri="{FF2B5EF4-FFF2-40B4-BE49-F238E27FC236}">
+                <a16:creationId xmlns:a16="http://schemas.microsoft.com/office/drawing/2014/main" id="{D878035F-00B0-4D5B-A258-6069BD41EFA4}"/>
+              </a:ext>
+            </a:extLst>
+          </p:cNvPr>
+          <p:cNvSpPr txBox="1"/>
+          <p:nvPr/>
+        </p:nvSpPr>
+        <p:spPr>
+          <a:xfrm>
+            <a:off x="1225225" y="211756"/>
+            <a:ext cx="3262964" cy="400110"/>
+          </a:xfrm>
+          <a:prstGeom prst="rect">
+            <a:avLst/>
+          </a:prstGeom>
+          <a:noFill/>
+        </p:spPr>
+        <p:txBody>
+          <a:bodyPr wrap="square" rtlCol="0">
+            <a:spAutoFit/>
+          </a:bodyPr>
+          <a:lstStyle/>
+          <a:p>
+            <a:r>
+              <a:rPr lang="es-CO" sz="2000" dirty="0">
+                <a:latin typeface="Bell MT" panose="02020503060305020303" pitchFamily="18" charset="0"/>
+              </a:rPr>
+              <a:t>USUARIO NATURAL</a:t>
+            </a:r>
+          </a:p>
+        </p:txBody>
+      </p:sp>
+      <p:sp>
+        <p:nvSpPr>
+          <p:cNvPr id="12" name="CuadroTexto 11">
+            <a:extLst>
+              <a:ext uri="{FF2B5EF4-FFF2-40B4-BE49-F238E27FC236}">
+                <a16:creationId xmlns:a16="http://schemas.microsoft.com/office/drawing/2014/main" id="{76A74B43-FEE5-4936-B050-CF7B2FD0BAA5}"/>
+              </a:ext>
+            </a:extLst>
+          </p:cNvPr>
+          <p:cNvSpPr txBox="1"/>
+          <p:nvPr/>
+        </p:nvSpPr>
+        <p:spPr>
+          <a:xfrm>
+            <a:off x="5772932" y="211756"/>
+            <a:ext cx="3484345" cy="400110"/>
+          </a:xfrm>
+          <a:prstGeom prst="rect">
+            <a:avLst/>
+          </a:prstGeom>
+          <a:noFill/>
+        </p:spPr>
+        <p:txBody>
+          <a:bodyPr wrap="square" rtlCol="0">
+            <a:spAutoFit/>
+          </a:bodyPr>
+          <a:lstStyle/>
+          <a:p>
+            <a:r>
+              <a:rPr lang="es-CO" sz="2000" dirty="0">
+                <a:latin typeface="Bell MT" panose="02020503060305020303" pitchFamily="18" charset="0"/>
+              </a:rPr>
+              <a:t>USUARIO COMERCIANTE</a:t>
+            </a:r>
+          </a:p>
+        </p:txBody>
+      </p:sp>
       <p:pic>
         <p:nvPicPr>
-          <p:cNvPr id="8" name="Imagen 7">
+          <p:cNvPr id="3" name="Imagen 2">
             <a:extLst>
               <a:ext uri="{FF2B5EF4-FFF2-40B4-BE49-F238E27FC236}">
-                <a16:creationId xmlns:a16="http://schemas.microsoft.com/office/drawing/2014/main" id="{1EB27525-077C-454E-BE3F-6BC4AA27E83C}"/>
+                <a16:creationId xmlns:a16="http://schemas.microsoft.com/office/drawing/2014/main" id="{1376360E-3A7C-48E9-8BD3-291A5873818B}"/>
               </a:ext>
             </a:extLst>
           </p:cNvPr>
@@ -3721,94 +3795,20 @@
         </p:blipFill>
         <p:spPr>
           <a:xfrm>
-            <a:off x="447836" y="796028"/>
-            <a:ext cx="4040353" cy="5512066"/>
+            <a:off x="684894" y="806861"/>
+            <a:ext cx="3463593" cy="5600486"/>
           </a:xfrm>
           <a:prstGeom prst="rect">
             <a:avLst/>
           </a:prstGeom>
         </p:spPr>
       </p:pic>
-      <p:sp>
-        <p:nvSpPr>
-          <p:cNvPr id="9" name="CuadroTexto 8">
+      <p:pic>
+        <p:nvPicPr>
+          <p:cNvPr id="5" name="Imagen 4">
             <a:extLst>
               <a:ext uri="{FF2B5EF4-FFF2-40B4-BE49-F238E27FC236}">
-                <a16:creationId xmlns:a16="http://schemas.microsoft.com/office/drawing/2014/main" id="{D878035F-00B0-4D5B-A258-6069BD41EFA4}"/>
-              </a:ext>
-            </a:extLst>
-          </p:cNvPr>
-          <p:cNvSpPr txBox="1"/>
-          <p:nvPr/>
-        </p:nvSpPr>
-        <p:spPr>
-          <a:xfrm>
-            <a:off x="1225225" y="211756"/>
-            <a:ext cx="3262964" cy="400110"/>
-          </a:xfrm>
-          <a:prstGeom prst="rect">
-            <a:avLst/>
-          </a:prstGeom>
-          <a:noFill/>
-        </p:spPr>
-        <p:txBody>
-          <a:bodyPr wrap="square" rtlCol="0">
-            <a:spAutoFit/>
-          </a:bodyPr>
-          <a:lstStyle/>
-          <a:p>
-            <a:r>
-              <a:rPr lang="es-CO" sz="2000" dirty="0">
-                <a:latin typeface="Bell MT" panose="02020503060305020303" pitchFamily="18" charset="0"/>
-              </a:rPr>
-              <a:t>USUARIO NATURAL</a:t>
-            </a:r>
-          </a:p>
-        </p:txBody>
-      </p:sp>
-      <p:sp>
-        <p:nvSpPr>
-          <p:cNvPr id="12" name="CuadroTexto 11">
-            <a:extLst>
-              <a:ext uri="{FF2B5EF4-FFF2-40B4-BE49-F238E27FC236}">
-                <a16:creationId xmlns:a16="http://schemas.microsoft.com/office/drawing/2014/main" id="{76A74B43-FEE5-4936-B050-CF7B2FD0BAA5}"/>
-              </a:ext>
-            </a:extLst>
-          </p:cNvPr>
-          <p:cNvSpPr txBox="1"/>
-          <p:nvPr/>
-        </p:nvSpPr>
-        <p:spPr>
-          <a:xfrm>
-            <a:off x="5772932" y="211756"/>
-            <a:ext cx="3484345" cy="400110"/>
-          </a:xfrm>
-          <a:prstGeom prst="rect">
-            <a:avLst/>
-          </a:prstGeom>
-          <a:noFill/>
-        </p:spPr>
-        <p:txBody>
-          <a:bodyPr wrap="square" rtlCol="0">
-            <a:spAutoFit/>
-          </a:bodyPr>
-          <a:lstStyle/>
-          <a:p>
-            <a:r>
-              <a:rPr lang="es-CO" sz="2000" dirty="0">
-                <a:latin typeface="Bell MT" panose="02020503060305020303" pitchFamily="18" charset="0"/>
-              </a:rPr>
-              <a:t>USUARIO COMERCIANTE</a:t>
-            </a:r>
-          </a:p>
-        </p:txBody>
-      </p:sp>
-      <p:pic>
-        <p:nvPicPr>
-          <p:cNvPr id="16" name="Imagen 15">
-            <a:extLst>
-              <a:ext uri="{FF2B5EF4-FFF2-40B4-BE49-F238E27FC236}">
-                <a16:creationId xmlns:a16="http://schemas.microsoft.com/office/drawing/2014/main" id="{5D2117F1-9540-4CCC-9414-E2ECB0AC012C}"/>
+                <a16:creationId xmlns:a16="http://schemas.microsoft.com/office/drawing/2014/main" id="{20C7C8C4-A5D4-4D17-894C-E8A34A2CFBA4}"/>
               </a:ext>
             </a:extLst>
           </p:cNvPr>
@@ -3825,8 +3825,8 @@
         </p:blipFill>
         <p:spPr>
           <a:xfrm>
-            <a:off x="6230753" y="734730"/>
-            <a:ext cx="3606295" cy="5573364"/>
+            <a:off x="5982545" y="806861"/>
+            <a:ext cx="3556091" cy="5572220"/>
           </a:xfrm>
           <a:prstGeom prst="rect">
             <a:avLst/>
@@ -3863,12 +3863,49 @@
           <a:chExt cx="0" cy="0"/>
         </a:xfrm>
       </p:grpSpPr>
+      <p:sp>
+        <p:nvSpPr>
+          <p:cNvPr id="5" name="CuadroTexto 4">
+            <a:extLst>
+              <a:ext uri="{FF2B5EF4-FFF2-40B4-BE49-F238E27FC236}">
+                <a16:creationId xmlns:a16="http://schemas.microsoft.com/office/drawing/2014/main" id="{CC9B79DE-5E37-47CE-A375-4BCF7D04B968}"/>
+              </a:ext>
+            </a:extLst>
+          </p:cNvPr>
+          <p:cNvSpPr txBox="1"/>
+          <p:nvPr/>
+        </p:nvSpPr>
+        <p:spPr>
+          <a:xfrm>
+            <a:off x="4912094" y="789271"/>
+            <a:ext cx="2156059" cy="830997"/>
+          </a:xfrm>
+          <a:prstGeom prst="rect">
+            <a:avLst/>
+          </a:prstGeom>
+          <a:noFill/>
+        </p:spPr>
+        <p:txBody>
+          <a:bodyPr wrap="square" rtlCol="0">
+            <a:spAutoFit/>
+          </a:bodyPr>
+          <a:lstStyle/>
+          <a:p>
+            <a:r>
+              <a:rPr lang="es-CO" sz="2400" dirty="0">
+                <a:latin typeface="Bell MT" panose="02020503060305020303" pitchFamily="18" charset="0"/>
+              </a:rPr>
+              <a:t>TIPO USUARIO</a:t>
+            </a:r>
+          </a:p>
+        </p:txBody>
+      </p:sp>
       <p:pic>
         <p:nvPicPr>
-          <p:cNvPr id="2" name="Imagen 1">
+          <p:cNvPr id="6" name="Imagen 5">
             <a:extLst>
               <a:ext uri="{FF2B5EF4-FFF2-40B4-BE49-F238E27FC236}">
-                <a16:creationId xmlns:a16="http://schemas.microsoft.com/office/drawing/2014/main" id="{9EFCD145-DFA9-46BE-B617-A3BEC58F7BD2}"/>
+                <a16:creationId xmlns:a16="http://schemas.microsoft.com/office/drawing/2014/main" id="{E686E87E-326C-46C9-9498-F3068DBDBE6A}"/>
               </a:ext>
             </a:extLst>
           </p:cNvPr>
@@ -3877,15 +3914,16 @@
           </p:cNvPicPr>
           <p:nvPr/>
         </p:nvPicPr>
-        <p:blipFill rotWithShape="1">
+        <p:blipFill>
           <a:blip r:embed="rId2"/>
-          <a:srcRect r="13548"/>
-          <a:stretch/>
+          <a:stretch>
+            <a:fillRect/>
+          </a:stretch>
         </p:blipFill>
         <p:spPr>
           <a:xfrm>
-            <a:off x="7279907" y="654141"/>
-            <a:ext cx="4058653" cy="5910288"/>
+            <a:off x="6992217" y="654141"/>
+            <a:ext cx="4365699" cy="5775674"/>
           </a:xfrm>
           <a:prstGeom prst="rect">
             <a:avLst/>
@@ -3894,10 +3932,10 @@
       </p:pic>
       <p:pic>
         <p:nvPicPr>
-          <p:cNvPr id="4" name="Imagen 3">
+          <p:cNvPr id="8" name="Imagen 7">
             <a:extLst>
               <a:ext uri="{FF2B5EF4-FFF2-40B4-BE49-F238E27FC236}">
-                <a16:creationId xmlns:a16="http://schemas.microsoft.com/office/drawing/2014/main" id="{7E97BDC3-F3F2-4DE3-BF55-F52D541700A7}"/>
+                <a16:creationId xmlns:a16="http://schemas.microsoft.com/office/drawing/2014/main" id="{F1F163C1-5725-4E16-94BD-3C779F0D8912}"/>
               </a:ext>
             </a:extLst>
           </p:cNvPr>
@@ -3914,51 +3952,14 @@
         </p:blipFill>
         <p:spPr>
           <a:xfrm>
-            <a:off x="709198" y="654141"/>
-            <a:ext cx="3824301" cy="5775675"/>
+            <a:off x="514316" y="654140"/>
+            <a:ext cx="4342217" cy="5775673"/>
           </a:xfrm>
           <a:prstGeom prst="rect">
             <a:avLst/>
           </a:prstGeom>
         </p:spPr>
       </p:pic>
-      <p:sp>
-        <p:nvSpPr>
-          <p:cNvPr id="5" name="CuadroTexto 4">
-            <a:extLst>
-              <a:ext uri="{FF2B5EF4-FFF2-40B4-BE49-F238E27FC236}">
-                <a16:creationId xmlns:a16="http://schemas.microsoft.com/office/drawing/2014/main" id="{CC9B79DE-5E37-47CE-A375-4BCF7D04B968}"/>
-              </a:ext>
-            </a:extLst>
-          </p:cNvPr>
-          <p:cNvSpPr txBox="1"/>
-          <p:nvPr/>
-        </p:nvSpPr>
-        <p:spPr>
-          <a:xfrm>
-            <a:off x="4912094" y="789271"/>
-            <a:ext cx="2156059" cy="830997"/>
-          </a:xfrm>
-          <a:prstGeom prst="rect">
-            <a:avLst/>
-          </a:prstGeom>
-          <a:noFill/>
-        </p:spPr>
-        <p:txBody>
-          <a:bodyPr wrap="square" rtlCol="0">
-            <a:spAutoFit/>
-          </a:bodyPr>
-          <a:lstStyle/>
-          <a:p>
-            <a:r>
-              <a:rPr lang="es-CO" sz="2400" dirty="0">
-                <a:latin typeface="Bell MT" panose="02020503060305020303" pitchFamily="18" charset="0"/>
-              </a:rPr>
-              <a:t>TIPO USUARIO</a:t>
-            </a:r>
-          </a:p>
-        </p:txBody>
-      </p:sp>
     </p:spTree>
     <p:extLst>
       <p:ext uri="{BB962C8B-B14F-4D97-AF65-F5344CB8AC3E}">
@@ -3989,12 +3990,49 @@
           <a:chExt cx="0" cy="0"/>
         </a:xfrm>
       </p:grpSpPr>
+      <p:sp>
+        <p:nvSpPr>
+          <p:cNvPr id="11" name="CuadroTexto 10">
+            <a:extLst>
+              <a:ext uri="{FF2B5EF4-FFF2-40B4-BE49-F238E27FC236}">
+                <a16:creationId xmlns:a16="http://schemas.microsoft.com/office/drawing/2014/main" id="{58F862B0-944B-40C4-84CB-1288F8F156F8}"/>
+              </a:ext>
+            </a:extLst>
+          </p:cNvPr>
+          <p:cNvSpPr txBox="1"/>
+          <p:nvPr/>
+        </p:nvSpPr>
+        <p:spPr>
+          <a:xfrm>
+            <a:off x="7238198" y="791509"/>
+            <a:ext cx="3927107" cy="954107"/>
+          </a:xfrm>
+          <a:prstGeom prst="rect">
+            <a:avLst/>
+          </a:prstGeom>
+          <a:noFill/>
+        </p:spPr>
+        <p:txBody>
+          <a:bodyPr wrap="square" rtlCol="0">
+            <a:spAutoFit/>
+          </a:bodyPr>
+          <a:lstStyle/>
+          <a:p>
+            <a:r>
+              <a:rPr lang="es-CO" sz="2800" dirty="0">
+                <a:latin typeface="Bell MT" panose="02020503060305020303" pitchFamily="18" charset="0"/>
+              </a:rPr>
+              <a:t>INFORMACION USUARIO</a:t>
+            </a:r>
+          </a:p>
+        </p:txBody>
+      </p:sp>
       <p:pic>
         <p:nvPicPr>
-          <p:cNvPr id="5" name="Imagen 4">
+          <p:cNvPr id="3" name="Imagen 2">
             <a:extLst>
               <a:ext uri="{FF2B5EF4-FFF2-40B4-BE49-F238E27FC236}">
-                <a16:creationId xmlns:a16="http://schemas.microsoft.com/office/drawing/2014/main" id="{F1868DC5-1555-4CB3-A5E6-C1B882F440CF}"/>
+                <a16:creationId xmlns:a16="http://schemas.microsoft.com/office/drawing/2014/main" id="{0239ACB6-8D7D-41C7-848F-F72FB0CE0521}"/>
               </a:ext>
             </a:extLst>
           </p:cNvPr>
@@ -4011,8 +4049,8 @@
         </p:blipFill>
         <p:spPr>
           <a:xfrm>
-            <a:off x="162524" y="512376"/>
-            <a:ext cx="6029530" cy="4101524"/>
+            <a:off x="325852" y="402700"/>
+            <a:ext cx="5866201" cy="3948677"/>
           </a:xfrm>
           <a:prstGeom prst="rect">
             <a:avLst/>
@@ -4021,10 +4059,10 @@
       </p:pic>
       <p:pic>
         <p:nvPicPr>
-          <p:cNvPr id="10" name="Imagen 9">
+          <p:cNvPr id="6" name="Imagen 5">
             <a:extLst>
               <a:ext uri="{FF2B5EF4-FFF2-40B4-BE49-F238E27FC236}">
-                <a16:creationId xmlns:a16="http://schemas.microsoft.com/office/drawing/2014/main" id="{B0B4AA6C-1319-4C23-B8C5-1320DC35B3A3}"/>
+                <a16:creationId xmlns:a16="http://schemas.microsoft.com/office/drawing/2014/main" id="{BA9F5035-1B8F-445D-B6C7-2093BED48DB7}"/>
               </a:ext>
             </a:extLst>
           </p:cNvPr>
@@ -4041,51 +4079,14 @@
         </p:blipFill>
         <p:spPr>
           <a:xfrm>
-            <a:off x="6192054" y="2465417"/>
-            <a:ext cx="5999946" cy="4296967"/>
+            <a:off x="6192053" y="1775861"/>
+            <a:ext cx="5999947" cy="4162925"/>
           </a:xfrm>
           <a:prstGeom prst="rect">
             <a:avLst/>
           </a:prstGeom>
         </p:spPr>
       </p:pic>
-      <p:sp>
-        <p:nvSpPr>
-          <p:cNvPr id="11" name="CuadroTexto 10">
-            <a:extLst>
-              <a:ext uri="{FF2B5EF4-FFF2-40B4-BE49-F238E27FC236}">
-                <a16:creationId xmlns:a16="http://schemas.microsoft.com/office/drawing/2014/main" id="{58F862B0-944B-40C4-84CB-1288F8F156F8}"/>
-              </a:ext>
-            </a:extLst>
-          </p:cNvPr>
-          <p:cNvSpPr txBox="1"/>
-          <p:nvPr/>
-        </p:nvSpPr>
-        <p:spPr>
-          <a:xfrm>
-            <a:off x="7238198" y="791509"/>
-            <a:ext cx="3927107" cy="954107"/>
-          </a:xfrm>
-          <a:prstGeom prst="rect">
-            <a:avLst/>
-          </a:prstGeom>
-          <a:noFill/>
-        </p:spPr>
-        <p:txBody>
-          <a:bodyPr wrap="square" rtlCol="0">
-            <a:spAutoFit/>
-          </a:bodyPr>
-          <a:lstStyle/>
-          <a:p>
-            <a:r>
-              <a:rPr lang="es-CO" sz="2800" dirty="0">
-                <a:latin typeface="Bell MT" panose="02020503060305020303" pitchFamily="18" charset="0"/>
-              </a:rPr>
-              <a:t>INFORMACION USUARIO</a:t>
-            </a:r>
-          </a:p>
-        </p:txBody>
-      </p:sp>
     </p:spTree>
     <p:extLst>
       <p:ext uri="{BB962C8B-B14F-4D97-AF65-F5344CB8AC3E}">
@@ -4310,12 +4311,49 @@
           <a:chExt cx="0" cy="0"/>
         </a:xfrm>
       </p:grpSpPr>
+      <p:sp>
+        <p:nvSpPr>
+          <p:cNvPr id="4" name="CuadroTexto 3">
+            <a:extLst>
+              <a:ext uri="{FF2B5EF4-FFF2-40B4-BE49-F238E27FC236}">
+                <a16:creationId xmlns:a16="http://schemas.microsoft.com/office/drawing/2014/main" id="{E1F90FF4-6EDF-4359-B3B2-7DD5340D64BD}"/>
+              </a:ext>
+            </a:extLst>
+          </p:cNvPr>
+          <p:cNvSpPr txBox="1"/>
+          <p:nvPr/>
+        </p:nvSpPr>
+        <p:spPr>
+          <a:xfrm>
+            <a:off x="4225491" y="365759"/>
+            <a:ext cx="4735630" cy="646331"/>
+          </a:xfrm>
+          <a:prstGeom prst="rect">
+            <a:avLst/>
+          </a:prstGeom>
+          <a:noFill/>
+        </p:spPr>
+        <p:txBody>
+          <a:bodyPr wrap="square" rtlCol="0">
+            <a:spAutoFit/>
+          </a:bodyPr>
+          <a:lstStyle/>
+          <a:p>
+            <a:r>
+              <a:rPr lang="es-CO" sz="3600" dirty="0">
+                <a:latin typeface="Bell MT" panose="02020503060305020303" pitchFamily="18" charset="0"/>
+              </a:rPr>
+              <a:t>PUBLICACIONES</a:t>
+            </a:r>
+          </a:p>
+        </p:txBody>
+      </p:sp>
       <p:pic>
         <p:nvPicPr>
-          <p:cNvPr id="3" name="Imagen 2">
+          <p:cNvPr id="5" name="Imagen 4">
             <a:extLst>
               <a:ext uri="{FF2B5EF4-FFF2-40B4-BE49-F238E27FC236}">
-                <a16:creationId xmlns:a16="http://schemas.microsoft.com/office/drawing/2014/main" id="{8B0D4748-7C5D-434D-8E67-A96518D6CF36}"/>
+                <a16:creationId xmlns:a16="http://schemas.microsoft.com/office/drawing/2014/main" id="{C1C84093-39D0-4D9F-AC73-97F5F0AC8962}"/>
               </a:ext>
             </a:extLst>
           </p:cNvPr>
@@ -4332,51 +4370,14 @@
         </p:blipFill>
         <p:spPr>
           <a:xfrm>
-            <a:off x="1845113" y="1366224"/>
-            <a:ext cx="8501774" cy="5078531"/>
+            <a:off x="1363422" y="1089092"/>
+            <a:ext cx="9689722" cy="5571590"/>
           </a:xfrm>
           <a:prstGeom prst="rect">
             <a:avLst/>
           </a:prstGeom>
         </p:spPr>
       </p:pic>
-      <p:sp>
-        <p:nvSpPr>
-          <p:cNvPr id="4" name="CuadroTexto 3">
-            <a:extLst>
-              <a:ext uri="{FF2B5EF4-FFF2-40B4-BE49-F238E27FC236}">
-                <a16:creationId xmlns:a16="http://schemas.microsoft.com/office/drawing/2014/main" id="{E1F90FF4-6EDF-4359-B3B2-7DD5340D64BD}"/>
-              </a:ext>
-            </a:extLst>
-          </p:cNvPr>
-          <p:cNvSpPr txBox="1"/>
-          <p:nvPr/>
-        </p:nvSpPr>
-        <p:spPr>
-          <a:xfrm>
-            <a:off x="4225491" y="365759"/>
-            <a:ext cx="4735630" cy="646331"/>
-          </a:xfrm>
-          <a:prstGeom prst="rect">
-            <a:avLst/>
-          </a:prstGeom>
-          <a:noFill/>
-        </p:spPr>
-        <p:txBody>
-          <a:bodyPr wrap="square" rtlCol="0">
-            <a:spAutoFit/>
-          </a:bodyPr>
-          <a:lstStyle/>
-          <a:p>
-            <a:r>
-              <a:rPr lang="es-CO" sz="3600" dirty="0">
-                <a:latin typeface="Bell MT" panose="02020503060305020303" pitchFamily="18" charset="0"/>
-              </a:rPr>
-              <a:t>PUBLICACIONES</a:t>
-            </a:r>
-          </a:p>
-        </p:txBody>
-      </p:sp>
     </p:spTree>
     <p:extLst>
       <p:ext uri="{BB962C8B-B14F-4D97-AF65-F5344CB8AC3E}">
@@ -4407,12 +4408,49 @@
           <a:chExt cx="0" cy="0"/>
         </a:xfrm>
       </p:grpSpPr>
+      <p:sp>
+        <p:nvSpPr>
+          <p:cNvPr id="4" name="CuadroTexto 3">
+            <a:extLst>
+              <a:ext uri="{FF2B5EF4-FFF2-40B4-BE49-F238E27FC236}">
+                <a16:creationId xmlns:a16="http://schemas.microsoft.com/office/drawing/2014/main" id="{F1462CCD-2E8E-496E-B08D-034860B17E05}"/>
+              </a:ext>
+            </a:extLst>
+          </p:cNvPr>
+          <p:cNvSpPr txBox="1"/>
+          <p:nvPr/>
+        </p:nvSpPr>
+        <p:spPr>
+          <a:xfrm>
+            <a:off x="4745253" y="306571"/>
+            <a:ext cx="3465095" cy="646331"/>
+          </a:xfrm>
+          <a:prstGeom prst="rect">
+            <a:avLst/>
+          </a:prstGeom>
+          <a:noFill/>
+        </p:spPr>
+        <p:txBody>
+          <a:bodyPr wrap="square" rtlCol="0">
+            <a:spAutoFit/>
+          </a:bodyPr>
+          <a:lstStyle/>
+          <a:p>
+            <a:r>
+              <a:rPr lang="es-CO" sz="3600" dirty="0">
+                <a:latin typeface="Bell MT" panose="02020503060305020303" pitchFamily="18" charset="0"/>
+              </a:rPr>
+              <a:t>FACTURA</a:t>
+            </a:r>
+          </a:p>
+        </p:txBody>
+      </p:sp>
       <p:pic>
         <p:nvPicPr>
-          <p:cNvPr id="3" name="Imagen 2">
+          <p:cNvPr id="5" name="Imagen 4">
             <a:extLst>
               <a:ext uri="{FF2B5EF4-FFF2-40B4-BE49-F238E27FC236}">
-                <a16:creationId xmlns:a16="http://schemas.microsoft.com/office/drawing/2014/main" id="{FFD80F95-8F85-4093-AFE8-1354A78A8573}"/>
+                <a16:creationId xmlns:a16="http://schemas.microsoft.com/office/drawing/2014/main" id="{159CA071-2EF9-46E3-AB4D-A903DE6CBDAE}"/>
               </a:ext>
             </a:extLst>
           </p:cNvPr>
@@ -4429,51 +4467,14 @@
         </p:blipFill>
         <p:spPr>
           <a:xfrm>
-            <a:off x="3080083" y="1458530"/>
-            <a:ext cx="5380401" cy="4480257"/>
+            <a:off x="3049092" y="1065998"/>
+            <a:ext cx="6414698" cy="4726003"/>
           </a:xfrm>
           <a:prstGeom prst="rect">
             <a:avLst/>
           </a:prstGeom>
         </p:spPr>
       </p:pic>
-      <p:sp>
-        <p:nvSpPr>
-          <p:cNvPr id="4" name="CuadroTexto 3">
-            <a:extLst>
-              <a:ext uri="{FF2B5EF4-FFF2-40B4-BE49-F238E27FC236}">
-                <a16:creationId xmlns:a16="http://schemas.microsoft.com/office/drawing/2014/main" id="{F1462CCD-2E8E-496E-B08D-034860B17E05}"/>
-              </a:ext>
-            </a:extLst>
-          </p:cNvPr>
-          <p:cNvSpPr txBox="1"/>
-          <p:nvPr/>
-        </p:nvSpPr>
-        <p:spPr>
-          <a:xfrm>
-            <a:off x="4745253" y="306571"/>
-            <a:ext cx="3465095" cy="646331"/>
-          </a:xfrm>
-          <a:prstGeom prst="rect">
-            <a:avLst/>
-          </a:prstGeom>
-          <a:noFill/>
-        </p:spPr>
-        <p:txBody>
-          <a:bodyPr wrap="square" rtlCol="0">
-            <a:spAutoFit/>
-          </a:bodyPr>
-          <a:lstStyle/>
-          <a:p>
-            <a:r>
-              <a:rPr lang="es-CO" sz="3600" dirty="0">
-                <a:latin typeface="Bell MT" panose="02020503060305020303" pitchFamily="18" charset="0"/>
-              </a:rPr>
-              <a:t>FACTURA</a:t>
-            </a:r>
-          </a:p>
-        </p:txBody>
-      </p:sp>
     </p:spTree>
     <p:extLst>
       <p:ext uri="{BB962C8B-B14F-4D97-AF65-F5344CB8AC3E}">

--- a/RPM.pptx
+++ b/RPM.pptx
@@ -6,8 +6,8 @@
   </p:sldMasterIdLst>
   <p:sldIdLst>
     <p:sldId id="256" r:id="rId2"/>
-    <p:sldId id="257" r:id="rId3"/>
-    <p:sldId id="263" r:id="rId4"/>
+    <p:sldId id="263" r:id="rId3"/>
+    <p:sldId id="257" r:id="rId4"/>
     <p:sldId id="258" r:id="rId5"/>
     <p:sldId id="259" r:id="rId6"/>
     <p:sldId id="260" r:id="rId7"/>
@@ -259,7 +259,7 @@
           <a:p>
             <a:fld id="{B7B1F0FD-4B14-4C67-82BD-C63201CC0C6C}" type="datetimeFigureOut">
               <a:rPr lang="es-CO" smtClean="0"/>
-              <a:t>20/04/2024</a:t>
+              <a:t>19/05/2024</a:t>
             </a:fld>
             <a:endParaRPr lang="es-CO"/>
           </a:p>
@@ -470,7 +470,7 @@
           <a:p>
             <a:fld id="{B7B1F0FD-4B14-4C67-82BD-C63201CC0C6C}" type="datetimeFigureOut">
               <a:rPr lang="es-CO" smtClean="0"/>
-              <a:t>20/04/2024</a:t>
+              <a:t>19/05/2024</a:t>
             </a:fld>
             <a:endParaRPr lang="es-CO"/>
           </a:p>
@@ -685,7 +685,7 @@
           <a:p>
             <a:fld id="{B7B1F0FD-4B14-4C67-82BD-C63201CC0C6C}" type="datetimeFigureOut">
               <a:rPr lang="es-CO" smtClean="0"/>
-              <a:t>20/04/2024</a:t>
+              <a:t>19/05/2024</a:t>
             </a:fld>
             <a:endParaRPr lang="es-CO"/>
           </a:p>
@@ -886,7 +886,7 @@
           <a:p>
             <a:fld id="{B7B1F0FD-4B14-4C67-82BD-C63201CC0C6C}" type="datetimeFigureOut">
               <a:rPr lang="es-CO" smtClean="0"/>
-              <a:t>20/04/2024</a:t>
+              <a:t>19/05/2024</a:t>
             </a:fld>
             <a:endParaRPr lang="es-CO"/>
           </a:p>
@@ -1165,7 +1165,7 @@
           <a:p>
             <a:fld id="{B7B1F0FD-4B14-4C67-82BD-C63201CC0C6C}" type="datetimeFigureOut">
               <a:rPr lang="es-CO" smtClean="0"/>
-              <a:t>20/04/2024</a:t>
+              <a:t>19/05/2024</a:t>
             </a:fld>
             <a:endParaRPr lang="es-CO"/>
           </a:p>
@@ -1433,7 +1433,7 @@
           <a:p>
             <a:fld id="{B7B1F0FD-4B14-4C67-82BD-C63201CC0C6C}" type="datetimeFigureOut">
               <a:rPr lang="es-CO" smtClean="0"/>
-              <a:t>20/04/2024</a:t>
+              <a:t>19/05/2024</a:t>
             </a:fld>
             <a:endParaRPr lang="es-CO"/>
           </a:p>
@@ -1849,7 +1849,7 @@
           <a:p>
             <a:fld id="{B7B1F0FD-4B14-4C67-82BD-C63201CC0C6C}" type="datetimeFigureOut">
               <a:rPr lang="es-CO" smtClean="0"/>
-              <a:t>20/04/2024</a:t>
+              <a:t>19/05/2024</a:t>
             </a:fld>
             <a:endParaRPr lang="es-CO"/>
           </a:p>
@@ -1998,7 +1998,7 @@
           <a:p>
             <a:fld id="{B7B1F0FD-4B14-4C67-82BD-C63201CC0C6C}" type="datetimeFigureOut">
               <a:rPr lang="es-CO" smtClean="0"/>
-              <a:t>20/04/2024</a:t>
+              <a:t>19/05/2024</a:t>
             </a:fld>
             <a:endParaRPr lang="es-CO"/>
           </a:p>
@@ -2124,7 +2124,7 @@
           <a:p>
             <a:fld id="{B7B1F0FD-4B14-4C67-82BD-C63201CC0C6C}" type="datetimeFigureOut">
               <a:rPr lang="es-CO" smtClean="0"/>
-              <a:t>20/04/2024</a:t>
+              <a:t>19/05/2024</a:t>
             </a:fld>
             <a:endParaRPr lang="es-CO"/>
           </a:p>
@@ -2375,7 +2375,7 @@
           <a:p>
             <a:fld id="{B7B1F0FD-4B14-4C67-82BD-C63201CC0C6C}" type="datetimeFigureOut">
               <a:rPr lang="es-CO" smtClean="0"/>
-              <a:t>20/04/2024</a:t>
+              <a:t>19/05/2024</a:t>
             </a:fld>
             <a:endParaRPr lang="es-CO"/>
           </a:p>
@@ -2820,7 +2820,7 @@
           <a:p>
             <a:fld id="{B7B1F0FD-4B14-4C67-82BD-C63201CC0C6C}" type="datetimeFigureOut">
               <a:rPr lang="es-CO" smtClean="0"/>
-              <a:t>20/04/2024</a:t>
+              <a:t>19/05/2024</a:t>
             </a:fld>
             <a:endParaRPr lang="es-CO"/>
           </a:p>
@@ -3147,7 +3147,7 @@
           <a:p>
             <a:fld id="{B7B1F0FD-4B14-4C67-82BD-C63201CC0C6C}" type="datetimeFigureOut">
               <a:rPr lang="es-CO" smtClean="0"/>
-              <a:t>20/04/2024</a:t>
+              <a:t>19/05/2024</a:t>
             </a:fld>
             <a:endParaRPr lang="es-CO"/>
           </a:p>
@@ -3701,10 +3701,10 @@
       </p:grpSpPr>
       <p:sp>
         <p:nvSpPr>
-          <p:cNvPr id="9" name="CuadroTexto 8">
+          <p:cNvPr id="5" name="CuadroTexto 4">
             <a:extLst>
               <a:ext uri="{FF2B5EF4-FFF2-40B4-BE49-F238E27FC236}">
-                <a16:creationId xmlns:a16="http://schemas.microsoft.com/office/drawing/2014/main" id="{D878035F-00B0-4D5B-A258-6069BD41EFA4}"/>
+                <a16:creationId xmlns:a16="http://schemas.microsoft.com/office/drawing/2014/main" id="{CC9B79DE-5E37-47CE-A375-4BCF7D04B968}"/>
               </a:ext>
             </a:extLst>
           </p:cNvPr>
@@ -3713,8 +3713,8 @@
         </p:nvSpPr>
         <p:spPr>
           <a:xfrm>
-            <a:off x="1225225" y="211756"/>
-            <a:ext cx="3262964" cy="400110"/>
+            <a:off x="4912094" y="789271"/>
+            <a:ext cx="2156059" cy="830997"/>
           </a:xfrm>
           <a:prstGeom prst="rect">
             <a:avLst/>
@@ -3728,57 +3728,20 @@
           <a:lstStyle/>
           <a:p>
             <a:r>
-              <a:rPr lang="es-CO" sz="2000" dirty="0">
+              <a:rPr lang="es-CO" sz="2400" dirty="0">
                 <a:latin typeface="Bell MT" panose="02020503060305020303" pitchFamily="18" charset="0"/>
               </a:rPr>
-              <a:t>USUARIO NATURAL</a:t>
-            </a:r>
-          </a:p>
-        </p:txBody>
-      </p:sp>
-      <p:sp>
-        <p:nvSpPr>
-          <p:cNvPr id="12" name="CuadroTexto 11">
+              <a:t>TIPO USUARIO</a:t>
+            </a:r>
+          </a:p>
+        </p:txBody>
+      </p:sp>
+      <p:pic>
+        <p:nvPicPr>
+          <p:cNvPr id="8" name="Imagen 7">
             <a:extLst>
               <a:ext uri="{FF2B5EF4-FFF2-40B4-BE49-F238E27FC236}">
-                <a16:creationId xmlns:a16="http://schemas.microsoft.com/office/drawing/2014/main" id="{76A74B43-FEE5-4936-B050-CF7B2FD0BAA5}"/>
-              </a:ext>
-            </a:extLst>
-          </p:cNvPr>
-          <p:cNvSpPr txBox="1"/>
-          <p:nvPr/>
-        </p:nvSpPr>
-        <p:spPr>
-          <a:xfrm>
-            <a:off x="5772932" y="211756"/>
-            <a:ext cx="3484345" cy="400110"/>
-          </a:xfrm>
-          <a:prstGeom prst="rect">
-            <a:avLst/>
-          </a:prstGeom>
-          <a:noFill/>
-        </p:spPr>
-        <p:txBody>
-          <a:bodyPr wrap="square" rtlCol="0">
-            <a:spAutoFit/>
-          </a:bodyPr>
-          <a:lstStyle/>
-          <a:p>
-            <a:r>
-              <a:rPr lang="es-CO" sz="2000" dirty="0">
-                <a:latin typeface="Bell MT" panose="02020503060305020303" pitchFamily="18" charset="0"/>
-              </a:rPr>
-              <a:t>USUARIO COMERCIANTE</a:t>
-            </a:r>
-          </a:p>
-        </p:txBody>
-      </p:sp>
-      <p:pic>
-        <p:nvPicPr>
-          <p:cNvPr id="3" name="Imagen 2">
-            <a:extLst>
-              <a:ext uri="{FF2B5EF4-FFF2-40B4-BE49-F238E27FC236}">
-                <a16:creationId xmlns:a16="http://schemas.microsoft.com/office/drawing/2014/main" id="{1376360E-3A7C-48E9-8BD3-291A5873818B}"/>
+                <a16:creationId xmlns:a16="http://schemas.microsoft.com/office/drawing/2014/main" id="{73C827FA-80FD-4D4D-B758-9508DADFA5EE}"/>
               </a:ext>
             </a:extLst>
           </p:cNvPr>
@@ -3795,8 +3758,8 @@
         </p:blipFill>
         <p:spPr>
           <a:xfrm>
-            <a:off x="684894" y="806861"/>
-            <a:ext cx="3463593" cy="5600486"/>
+            <a:off x="608556" y="1326209"/>
+            <a:ext cx="3154922" cy="5429402"/>
           </a:xfrm>
           <a:prstGeom prst="rect">
             <a:avLst/>
@@ -3805,10 +3768,10 @@
       </p:pic>
       <p:pic>
         <p:nvPicPr>
-          <p:cNvPr id="5" name="Imagen 4">
+          <p:cNvPr id="10" name="Imagen 9">
             <a:extLst>
               <a:ext uri="{FF2B5EF4-FFF2-40B4-BE49-F238E27FC236}">
-                <a16:creationId xmlns:a16="http://schemas.microsoft.com/office/drawing/2014/main" id="{20C7C8C4-A5D4-4D17-894C-E8A34A2CFBA4}"/>
+                <a16:creationId xmlns:a16="http://schemas.microsoft.com/office/drawing/2014/main" id="{42BFFC6D-4DB1-4B79-87AB-8BA6E49639E2}"/>
               </a:ext>
             </a:extLst>
           </p:cNvPr>
@@ -3825,8 +3788,8 @@
         </p:blipFill>
         <p:spPr>
           <a:xfrm>
-            <a:off x="5982545" y="806861"/>
-            <a:ext cx="3556091" cy="5572220"/>
+            <a:off x="6980479" y="1338241"/>
+            <a:ext cx="4030848" cy="4562045"/>
           </a:xfrm>
           <a:prstGeom prst="rect">
             <a:avLst/>
@@ -3836,7 +3799,7 @@
     </p:spTree>
     <p:extLst>
       <p:ext uri="{BB962C8B-B14F-4D97-AF65-F5344CB8AC3E}">
-        <p14:creationId xmlns:p14="http://schemas.microsoft.com/office/powerpoint/2010/main" val="3437600475"/>
+        <p14:creationId xmlns:p14="http://schemas.microsoft.com/office/powerpoint/2010/main" val="1527864764"/>
       </p:ext>
     </p:extLst>
   </p:cSld>
@@ -3865,10 +3828,10 @@
       </p:grpSpPr>
       <p:sp>
         <p:nvSpPr>
-          <p:cNvPr id="5" name="CuadroTexto 4">
+          <p:cNvPr id="9" name="CuadroTexto 8">
             <a:extLst>
               <a:ext uri="{FF2B5EF4-FFF2-40B4-BE49-F238E27FC236}">
-                <a16:creationId xmlns:a16="http://schemas.microsoft.com/office/drawing/2014/main" id="{CC9B79DE-5E37-47CE-A375-4BCF7D04B968}"/>
+                <a16:creationId xmlns:a16="http://schemas.microsoft.com/office/drawing/2014/main" id="{D878035F-00B0-4D5B-A258-6069BD41EFA4}"/>
               </a:ext>
             </a:extLst>
           </p:cNvPr>
@@ -3877,8 +3840,8 @@
         </p:nvSpPr>
         <p:spPr>
           <a:xfrm>
-            <a:off x="4912094" y="789271"/>
-            <a:ext cx="2156059" cy="830997"/>
+            <a:off x="1225225" y="211756"/>
+            <a:ext cx="3262964" cy="400110"/>
           </a:xfrm>
           <a:prstGeom prst="rect">
             <a:avLst/>
@@ -3892,20 +3855,57 @@
           <a:lstStyle/>
           <a:p>
             <a:r>
-              <a:rPr lang="es-CO" sz="2400" dirty="0">
+              <a:rPr lang="es-CO" sz="2000" dirty="0">
                 <a:latin typeface="Bell MT" panose="02020503060305020303" pitchFamily="18" charset="0"/>
               </a:rPr>
-              <a:t>TIPO USUARIO</a:t>
+              <a:t>USUARIO NATURAL</a:t>
+            </a:r>
+          </a:p>
+        </p:txBody>
+      </p:sp>
+      <p:sp>
+        <p:nvSpPr>
+          <p:cNvPr id="12" name="CuadroTexto 11">
+            <a:extLst>
+              <a:ext uri="{FF2B5EF4-FFF2-40B4-BE49-F238E27FC236}">
+                <a16:creationId xmlns:a16="http://schemas.microsoft.com/office/drawing/2014/main" id="{76A74B43-FEE5-4936-B050-CF7B2FD0BAA5}"/>
+              </a:ext>
+            </a:extLst>
+          </p:cNvPr>
+          <p:cNvSpPr txBox="1"/>
+          <p:nvPr/>
+        </p:nvSpPr>
+        <p:spPr>
+          <a:xfrm>
+            <a:off x="5772932" y="211756"/>
+            <a:ext cx="3484345" cy="400110"/>
+          </a:xfrm>
+          <a:prstGeom prst="rect">
+            <a:avLst/>
+          </a:prstGeom>
+          <a:noFill/>
+        </p:spPr>
+        <p:txBody>
+          <a:bodyPr wrap="square" rtlCol="0">
+            <a:spAutoFit/>
+          </a:bodyPr>
+          <a:lstStyle/>
+          <a:p>
+            <a:r>
+              <a:rPr lang="es-CO" sz="2000" dirty="0">
+                <a:latin typeface="Bell MT" panose="02020503060305020303" pitchFamily="18" charset="0"/>
+              </a:rPr>
+              <a:t>USUARIO COMERCIANTE</a:t>
             </a:r>
           </a:p>
         </p:txBody>
       </p:sp>
       <p:pic>
         <p:nvPicPr>
-          <p:cNvPr id="6" name="Imagen 5">
+          <p:cNvPr id="3" name="Imagen 2">
             <a:extLst>
               <a:ext uri="{FF2B5EF4-FFF2-40B4-BE49-F238E27FC236}">
-                <a16:creationId xmlns:a16="http://schemas.microsoft.com/office/drawing/2014/main" id="{E686E87E-326C-46C9-9498-F3068DBDBE6A}"/>
+                <a16:creationId xmlns:a16="http://schemas.microsoft.com/office/drawing/2014/main" id="{3BE998BC-1E2B-4DB5-B82B-48DF8D42A23C}"/>
               </a:ext>
             </a:extLst>
           </p:cNvPr>
@@ -3922,8 +3922,8 @@
         </p:blipFill>
         <p:spPr>
           <a:xfrm>
-            <a:off x="6992217" y="654141"/>
-            <a:ext cx="4365699" cy="5775674"/>
+            <a:off x="534147" y="1009837"/>
+            <a:ext cx="4105229" cy="3530985"/>
           </a:xfrm>
           <a:prstGeom prst="rect">
             <a:avLst/>
@@ -3932,10 +3932,10 @@
       </p:pic>
       <p:pic>
         <p:nvPicPr>
-          <p:cNvPr id="8" name="Imagen 7">
+          <p:cNvPr id="5" name="Imagen 4">
             <a:extLst>
               <a:ext uri="{FF2B5EF4-FFF2-40B4-BE49-F238E27FC236}">
-                <a16:creationId xmlns:a16="http://schemas.microsoft.com/office/drawing/2014/main" id="{F1F163C1-5725-4E16-94BD-3C779F0D8912}"/>
+                <a16:creationId xmlns:a16="http://schemas.microsoft.com/office/drawing/2014/main" id="{9A886623-7509-4CF6-9665-C40A16DCFBDD}"/>
               </a:ext>
             </a:extLst>
           </p:cNvPr>
@@ -3952,18 +3952,85 @@
         </p:blipFill>
         <p:spPr>
           <a:xfrm>
-            <a:off x="514316" y="654140"/>
-            <a:ext cx="4342217" cy="5775673"/>
+            <a:off x="5599677" y="740530"/>
+            <a:ext cx="3486941" cy="3061450"/>
           </a:xfrm>
           <a:prstGeom prst="rect">
             <a:avLst/>
           </a:prstGeom>
         </p:spPr>
       </p:pic>
+      <p:pic>
+        <p:nvPicPr>
+          <p:cNvPr id="7" name="Imagen 6">
+            <a:extLst>
+              <a:ext uri="{FF2B5EF4-FFF2-40B4-BE49-F238E27FC236}">
+                <a16:creationId xmlns:a16="http://schemas.microsoft.com/office/drawing/2014/main" id="{B3091DC7-8E72-4A1F-9B21-F1A4FDE36DCA}"/>
+              </a:ext>
+            </a:extLst>
+          </p:cNvPr>
+          <p:cNvPicPr>
+            <a:picLocks noChangeAspect="1"/>
+          </p:cNvPicPr>
+          <p:nvPr/>
+        </p:nvPicPr>
+        <p:blipFill>
+          <a:blip r:embed="rId4"/>
+          <a:stretch>
+            <a:fillRect/>
+          </a:stretch>
+        </p:blipFill>
+        <p:spPr>
+          <a:xfrm>
+            <a:off x="6268319" y="4492357"/>
+            <a:ext cx="3847833" cy="2131452"/>
+          </a:xfrm>
+          <a:prstGeom prst="rect">
+            <a:avLst/>
+          </a:prstGeom>
+        </p:spPr>
+      </p:pic>
+      <p:sp>
+        <p:nvSpPr>
+          <p:cNvPr id="10" name="CuadroTexto 9">
+            <a:extLst>
+              <a:ext uri="{FF2B5EF4-FFF2-40B4-BE49-F238E27FC236}">
+                <a16:creationId xmlns:a16="http://schemas.microsoft.com/office/drawing/2014/main" id="{2DD85B3E-BF00-49F5-80AA-9223F61BB820}"/>
+              </a:ext>
+            </a:extLst>
+          </p:cNvPr>
+          <p:cNvSpPr txBox="1"/>
+          <p:nvPr/>
+        </p:nvSpPr>
+        <p:spPr>
+          <a:xfrm>
+            <a:off x="5503188" y="3962502"/>
+            <a:ext cx="3995004" cy="369332"/>
+          </a:xfrm>
+          <a:prstGeom prst="rect">
+            <a:avLst/>
+          </a:prstGeom>
+          <a:noFill/>
+        </p:spPr>
+        <p:txBody>
+          <a:bodyPr wrap="none" rtlCol="0">
+            <a:spAutoFit/>
+          </a:bodyPr>
+          <a:lstStyle/>
+          <a:p>
+            <a:r>
+              <a:rPr lang="es-CO" dirty="0">
+                <a:latin typeface="Baskerville Old Face" panose="02020602080505020303" pitchFamily="18" charset="0"/>
+              </a:rPr>
+              <a:t>PRESTACION DE SERVICIO-GRUAS</a:t>
+            </a:r>
+          </a:p>
+        </p:txBody>
+      </p:sp>
     </p:spTree>
     <p:extLst>
       <p:ext uri="{BB962C8B-B14F-4D97-AF65-F5344CB8AC3E}">
-        <p14:creationId xmlns:p14="http://schemas.microsoft.com/office/powerpoint/2010/main" val="1527864764"/>
+        <p14:creationId xmlns:p14="http://schemas.microsoft.com/office/powerpoint/2010/main" val="3437600475"/>
       </p:ext>
     </p:extLst>
   </p:cSld>
@@ -4004,7 +4071,7 @@
         </p:nvSpPr>
         <p:spPr>
           <a:xfrm>
-            <a:off x="7238198" y="791509"/>
+            <a:off x="6506678" y="132732"/>
             <a:ext cx="3927107" cy="954107"/>
           </a:xfrm>
           <a:prstGeom prst="rect">
@@ -4032,7 +4099,7 @@
           <p:cNvPr id="3" name="Imagen 2">
             <a:extLst>
               <a:ext uri="{FF2B5EF4-FFF2-40B4-BE49-F238E27FC236}">
-                <a16:creationId xmlns:a16="http://schemas.microsoft.com/office/drawing/2014/main" id="{0239ACB6-8D7D-41C7-848F-F72FB0CE0521}"/>
+                <a16:creationId xmlns:a16="http://schemas.microsoft.com/office/drawing/2014/main" id="{FB9D7946-2DCB-4FC9-831F-41DC26A10A22}"/>
               </a:ext>
             </a:extLst>
           </p:cNvPr>
@@ -4049,8 +4116,8 @@
         </p:blipFill>
         <p:spPr>
           <a:xfrm>
-            <a:off x="325852" y="402700"/>
-            <a:ext cx="5866201" cy="3948677"/>
+            <a:off x="253987" y="1086839"/>
+            <a:ext cx="5824505" cy="2436008"/>
           </a:xfrm>
           <a:prstGeom prst="rect">
             <a:avLst/>
@@ -4062,7 +4129,7 @@
           <p:cNvPr id="6" name="Imagen 5">
             <a:extLst>
               <a:ext uri="{FF2B5EF4-FFF2-40B4-BE49-F238E27FC236}">
-                <a16:creationId xmlns:a16="http://schemas.microsoft.com/office/drawing/2014/main" id="{BA9F5035-1B8F-445D-B6C7-2093BED48DB7}"/>
+                <a16:creationId xmlns:a16="http://schemas.microsoft.com/office/drawing/2014/main" id="{0E87276C-9261-46D1-8C13-359EB582A82B}"/>
               </a:ext>
             </a:extLst>
           </p:cNvPr>
@@ -4079,14 +4146,88 @@
         </p:blipFill>
         <p:spPr>
           <a:xfrm>
-            <a:off x="6192053" y="1775861"/>
-            <a:ext cx="5999947" cy="4162925"/>
+            <a:off x="6280933" y="1977583"/>
+            <a:ext cx="5657080" cy="3768699"/>
           </a:xfrm>
           <a:prstGeom prst="rect">
             <a:avLst/>
           </a:prstGeom>
         </p:spPr>
       </p:pic>
+      <p:sp>
+        <p:nvSpPr>
+          <p:cNvPr id="7" name="CuadroTexto 6">
+            <a:extLst>
+              <a:ext uri="{FF2B5EF4-FFF2-40B4-BE49-F238E27FC236}">
+                <a16:creationId xmlns:a16="http://schemas.microsoft.com/office/drawing/2014/main" id="{A73C29C5-2B9A-4937-A435-B96D52DD229A}"/>
+              </a:ext>
+            </a:extLst>
+          </p:cNvPr>
+          <p:cNvSpPr txBox="1"/>
+          <p:nvPr/>
+        </p:nvSpPr>
+        <p:spPr>
+          <a:xfrm>
+            <a:off x="6631806" y="1597794"/>
+            <a:ext cx="1903470" cy="369332"/>
+          </a:xfrm>
+          <a:prstGeom prst="rect">
+            <a:avLst/>
+          </a:prstGeom>
+          <a:noFill/>
+        </p:spPr>
+        <p:txBody>
+          <a:bodyPr wrap="none" rtlCol="0">
+            <a:spAutoFit/>
+          </a:bodyPr>
+          <a:lstStyle/>
+          <a:p>
+            <a:r>
+              <a:rPr lang="es-CO" dirty="0">
+                <a:latin typeface="Bell MT" panose="02020503060305020303" pitchFamily="18" charset="0"/>
+              </a:rPr>
+              <a:t>COMERCIANTE</a:t>
+            </a:r>
+          </a:p>
+        </p:txBody>
+      </p:sp>
+      <p:sp>
+        <p:nvSpPr>
+          <p:cNvPr id="8" name="CuadroTexto 7">
+            <a:extLst>
+              <a:ext uri="{FF2B5EF4-FFF2-40B4-BE49-F238E27FC236}">
+                <a16:creationId xmlns:a16="http://schemas.microsoft.com/office/drawing/2014/main" id="{3F541148-7A5E-4B78-89E2-1540CB490A4C}"/>
+              </a:ext>
+            </a:extLst>
+          </p:cNvPr>
+          <p:cNvSpPr txBox="1"/>
+          <p:nvPr/>
+        </p:nvSpPr>
+        <p:spPr>
+          <a:xfrm>
+            <a:off x="827773" y="609785"/>
+            <a:ext cx="1287981" cy="369332"/>
+          </a:xfrm>
+          <a:prstGeom prst="rect">
+            <a:avLst/>
+          </a:prstGeom>
+          <a:noFill/>
+        </p:spPr>
+        <p:txBody>
+          <a:bodyPr wrap="none" rtlCol="0">
+            <a:spAutoFit/>
+          </a:bodyPr>
+          <a:lstStyle/>
+          <a:p>
+            <a:r>
+              <a:rPr lang="es-CO" dirty="0">
+                <a:latin typeface="Bell MT" panose="02020503060305020303" pitchFamily="18" charset="0"/>
+              </a:rPr>
+              <a:t>NATURAL</a:t>
+            </a:r>
+          </a:p>
+        </p:txBody>
+      </p:sp>
     </p:spTree>
     <p:extLst>
       <p:ext uri="{BB962C8B-B14F-4D97-AF65-F5344CB8AC3E}">
@@ -4311,49 +4452,12 @@
           <a:chExt cx="0" cy="0"/>
         </a:xfrm>
       </p:grpSpPr>
-      <p:sp>
-        <p:nvSpPr>
-          <p:cNvPr id="4" name="CuadroTexto 3">
+      <p:pic>
+        <p:nvPicPr>
+          <p:cNvPr id="3" name="Imagen 2">
             <a:extLst>
               <a:ext uri="{FF2B5EF4-FFF2-40B4-BE49-F238E27FC236}">
-                <a16:creationId xmlns:a16="http://schemas.microsoft.com/office/drawing/2014/main" id="{E1F90FF4-6EDF-4359-B3B2-7DD5340D64BD}"/>
-              </a:ext>
-            </a:extLst>
-          </p:cNvPr>
-          <p:cNvSpPr txBox="1"/>
-          <p:nvPr/>
-        </p:nvSpPr>
-        <p:spPr>
-          <a:xfrm>
-            <a:off x="4225491" y="365759"/>
-            <a:ext cx="4735630" cy="646331"/>
-          </a:xfrm>
-          <a:prstGeom prst="rect">
-            <a:avLst/>
-          </a:prstGeom>
-          <a:noFill/>
-        </p:spPr>
-        <p:txBody>
-          <a:bodyPr wrap="square" rtlCol="0">
-            <a:spAutoFit/>
-          </a:bodyPr>
-          <a:lstStyle/>
-          <a:p>
-            <a:r>
-              <a:rPr lang="es-CO" sz="3600" dirty="0">
-                <a:latin typeface="Bell MT" panose="02020503060305020303" pitchFamily="18" charset="0"/>
-              </a:rPr>
-              <a:t>PUBLICACIONES</a:t>
-            </a:r>
-          </a:p>
-        </p:txBody>
-      </p:sp>
-      <p:pic>
-        <p:nvPicPr>
-          <p:cNvPr id="5" name="Imagen 4">
-            <a:extLst>
-              <a:ext uri="{FF2B5EF4-FFF2-40B4-BE49-F238E27FC236}">
-                <a16:creationId xmlns:a16="http://schemas.microsoft.com/office/drawing/2014/main" id="{C1C84093-39D0-4D9F-AC73-97F5F0AC8962}"/>
+                <a16:creationId xmlns:a16="http://schemas.microsoft.com/office/drawing/2014/main" id="{8B0D4748-7C5D-434D-8E67-A96518D6CF36}"/>
               </a:ext>
             </a:extLst>
           </p:cNvPr>
@@ -4370,14 +4474,51 @@
         </p:blipFill>
         <p:spPr>
           <a:xfrm>
-            <a:off x="1363422" y="1089092"/>
-            <a:ext cx="9689722" cy="5571590"/>
+            <a:off x="1845113" y="1366224"/>
+            <a:ext cx="8501774" cy="5078531"/>
           </a:xfrm>
           <a:prstGeom prst="rect">
             <a:avLst/>
           </a:prstGeom>
         </p:spPr>
       </p:pic>
+      <p:sp>
+        <p:nvSpPr>
+          <p:cNvPr id="4" name="CuadroTexto 3">
+            <a:extLst>
+              <a:ext uri="{FF2B5EF4-FFF2-40B4-BE49-F238E27FC236}">
+                <a16:creationId xmlns:a16="http://schemas.microsoft.com/office/drawing/2014/main" id="{E1F90FF4-6EDF-4359-B3B2-7DD5340D64BD}"/>
+              </a:ext>
+            </a:extLst>
+          </p:cNvPr>
+          <p:cNvSpPr txBox="1"/>
+          <p:nvPr/>
+        </p:nvSpPr>
+        <p:spPr>
+          <a:xfrm>
+            <a:off x="4225491" y="365759"/>
+            <a:ext cx="4735630" cy="646331"/>
+          </a:xfrm>
+          <a:prstGeom prst="rect">
+            <a:avLst/>
+          </a:prstGeom>
+          <a:noFill/>
+        </p:spPr>
+        <p:txBody>
+          <a:bodyPr wrap="square" rtlCol="0">
+            <a:spAutoFit/>
+          </a:bodyPr>
+          <a:lstStyle/>
+          <a:p>
+            <a:r>
+              <a:rPr lang="es-CO" sz="3600" dirty="0">
+                <a:latin typeface="Bell MT" panose="02020503060305020303" pitchFamily="18" charset="0"/>
+              </a:rPr>
+              <a:t>PUBLICACIONES</a:t>
+            </a:r>
+          </a:p>
+        </p:txBody>
+      </p:sp>
     </p:spTree>
     <p:extLst>
       <p:ext uri="{BB962C8B-B14F-4D97-AF65-F5344CB8AC3E}">
@@ -4408,49 +4549,12 @@
           <a:chExt cx="0" cy="0"/>
         </a:xfrm>
       </p:grpSpPr>
-      <p:sp>
-        <p:nvSpPr>
-          <p:cNvPr id="4" name="CuadroTexto 3">
+      <p:pic>
+        <p:nvPicPr>
+          <p:cNvPr id="3" name="Imagen 2">
             <a:extLst>
               <a:ext uri="{FF2B5EF4-FFF2-40B4-BE49-F238E27FC236}">
-                <a16:creationId xmlns:a16="http://schemas.microsoft.com/office/drawing/2014/main" id="{F1462CCD-2E8E-496E-B08D-034860B17E05}"/>
-              </a:ext>
-            </a:extLst>
-          </p:cNvPr>
-          <p:cNvSpPr txBox="1"/>
-          <p:nvPr/>
-        </p:nvSpPr>
-        <p:spPr>
-          <a:xfrm>
-            <a:off x="4745253" y="306571"/>
-            <a:ext cx="3465095" cy="646331"/>
-          </a:xfrm>
-          <a:prstGeom prst="rect">
-            <a:avLst/>
-          </a:prstGeom>
-          <a:noFill/>
-        </p:spPr>
-        <p:txBody>
-          <a:bodyPr wrap="square" rtlCol="0">
-            <a:spAutoFit/>
-          </a:bodyPr>
-          <a:lstStyle/>
-          <a:p>
-            <a:r>
-              <a:rPr lang="es-CO" sz="3600" dirty="0">
-                <a:latin typeface="Bell MT" panose="02020503060305020303" pitchFamily="18" charset="0"/>
-              </a:rPr>
-              <a:t>FACTURA</a:t>
-            </a:r>
-          </a:p>
-        </p:txBody>
-      </p:sp>
-      <p:pic>
-        <p:nvPicPr>
-          <p:cNvPr id="5" name="Imagen 4">
-            <a:extLst>
-              <a:ext uri="{FF2B5EF4-FFF2-40B4-BE49-F238E27FC236}">
-                <a16:creationId xmlns:a16="http://schemas.microsoft.com/office/drawing/2014/main" id="{159CA071-2EF9-46E3-AB4D-A903DE6CBDAE}"/>
+                <a16:creationId xmlns:a16="http://schemas.microsoft.com/office/drawing/2014/main" id="{FFD80F95-8F85-4093-AFE8-1354A78A8573}"/>
               </a:ext>
             </a:extLst>
           </p:cNvPr>
@@ -4467,14 +4571,51 @@
         </p:blipFill>
         <p:spPr>
           <a:xfrm>
-            <a:off x="3049092" y="1065998"/>
-            <a:ext cx="6414698" cy="4726003"/>
+            <a:off x="3080083" y="1458530"/>
+            <a:ext cx="5380401" cy="4480257"/>
           </a:xfrm>
           <a:prstGeom prst="rect">
             <a:avLst/>
           </a:prstGeom>
         </p:spPr>
       </p:pic>
+      <p:sp>
+        <p:nvSpPr>
+          <p:cNvPr id="4" name="CuadroTexto 3">
+            <a:extLst>
+              <a:ext uri="{FF2B5EF4-FFF2-40B4-BE49-F238E27FC236}">
+                <a16:creationId xmlns:a16="http://schemas.microsoft.com/office/drawing/2014/main" id="{F1462CCD-2E8E-496E-B08D-034860B17E05}"/>
+              </a:ext>
+            </a:extLst>
+          </p:cNvPr>
+          <p:cNvSpPr txBox="1"/>
+          <p:nvPr/>
+        </p:nvSpPr>
+        <p:spPr>
+          <a:xfrm>
+            <a:off x="4745253" y="306571"/>
+            <a:ext cx="3465095" cy="646331"/>
+          </a:xfrm>
+          <a:prstGeom prst="rect">
+            <a:avLst/>
+          </a:prstGeom>
+          <a:noFill/>
+        </p:spPr>
+        <p:txBody>
+          <a:bodyPr wrap="square" rtlCol="0">
+            <a:spAutoFit/>
+          </a:bodyPr>
+          <a:lstStyle/>
+          <a:p>
+            <a:r>
+              <a:rPr lang="es-CO" sz="3600" dirty="0">
+                <a:latin typeface="Bell MT" panose="02020503060305020303" pitchFamily="18" charset="0"/>
+              </a:rPr>
+              <a:t>FACTURA</a:t>
+            </a:r>
+          </a:p>
+        </p:txBody>
+      </p:sp>
     </p:spTree>
     <p:extLst>
       <p:ext uri="{BB962C8B-B14F-4D97-AF65-F5344CB8AC3E}">
